--- a/Drawings.pptx
+++ b/Drawings.pptx
@@ -277,7 +277,7 @@
           <a:p>
             <a:fld id="{36F7ED12-E58E-4982-BB56-83649C00E421}" type="datetimeFigureOut">
               <a:rPr lang="en-US" smtClean="0"/>
-              <a:t>1/15/2024</a:t>
+              <a:t>4/26/2024</a:t>
             </a:fld>
             <a:endParaRPr lang="en-US"/>
           </a:p>
@@ -475,7 +475,7 @@
           <a:p>
             <a:fld id="{36F7ED12-E58E-4982-BB56-83649C00E421}" type="datetimeFigureOut">
               <a:rPr lang="en-US" smtClean="0"/>
-              <a:t>1/15/2024</a:t>
+              <a:t>4/26/2024</a:t>
             </a:fld>
             <a:endParaRPr lang="en-US"/>
           </a:p>
@@ -683,7 +683,7 @@
           <a:p>
             <a:fld id="{36F7ED12-E58E-4982-BB56-83649C00E421}" type="datetimeFigureOut">
               <a:rPr lang="en-US" smtClean="0"/>
-              <a:t>1/15/2024</a:t>
+              <a:t>4/26/2024</a:t>
             </a:fld>
             <a:endParaRPr lang="en-US"/>
           </a:p>
@@ -881,7 +881,7 @@
           <a:p>
             <a:fld id="{36F7ED12-E58E-4982-BB56-83649C00E421}" type="datetimeFigureOut">
               <a:rPr lang="en-US" smtClean="0"/>
-              <a:t>1/15/2024</a:t>
+              <a:t>4/26/2024</a:t>
             </a:fld>
             <a:endParaRPr lang="en-US"/>
           </a:p>
@@ -1156,7 +1156,7 @@
           <a:p>
             <a:fld id="{36F7ED12-E58E-4982-BB56-83649C00E421}" type="datetimeFigureOut">
               <a:rPr lang="en-US" smtClean="0"/>
-              <a:t>1/15/2024</a:t>
+              <a:t>4/26/2024</a:t>
             </a:fld>
             <a:endParaRPr lang="en-US"/>
           </a:p>
@@ -1421,7 +1421,7 @@
           <a:p>
             <a:fld id="{36F7ED12-E58E-4982-BB56-83649C00E421}" type="datetimeFigureOut">
               <a:rPr lang="en-US" smtClean="0"/>
-              <a:t>1/15/2024</a:t>
+              <a:t>4/26/2024</a:t>
             </a:fld>
             <a:endParaRPr lang="en-US"/>
           </a:p>
@@ -1833,7 +1833,7 @@
           <a:p>
             <a:fld id="{36F7ED12-E58E-4982-BB56-83649C00E421}" type="datetimeFigureOut">
               <a:rPr lang="en-US" smtClean="0"/>
-              <a:t>1/15/2024</a:t>
+              <a:t>4/26/2024</a:t>
             </a:fld>
             <a:endParaRPr lang="en-US"/>
           </a:p>
@@ -1974,7 +1974,7 @@
           <a:p>
             <a:fld id="{36F7ED12-E58E-4982-BB56-83649C00E421}" type="datetimeFigureOut">
               <a:rPr lang="en-US" smtClean="0"/>
-              <a:t>1/15/2024</a:t>
+              <a:t>4/26/2024</a:t>
             </a:fld>
             <a:endParaRPr lang="en-US"/>
           </a:p>
@@ -2087,7 +2087,7 @@
           <a:p>
             <a:fld id="{36F7ED12-E58E-4982-BB56-83649C00E421}" type="datetimeFigureOut">
               <a:rPr lang="en-US" smtClean="0"/>
-              <a:t>1/15/2024</a:t>
+              <a:t>4/26/2024</a:t>
             </a:fld>
             <a:endParaRPr lang="en-US"/>
           </a:p>
@@ -2398,7 +2398,7 @@
           <a:p>
             <a:fld id="{36F7ED12-E58E-4982-BB56-83649C00E421}" type="datetimeFigureOut">
               <a:rPr lang="en-US" smtClean="0"/>
-              <a:t>1/15/2024</a:t>
+              <a:t>4/26/2024</a:t>
             </a:fld>
             <a:endParaRPr lang="en-US"/>
           </a:p>
@@ -2686,7 +2686,7 @@
           <a:p>
             <a:fld id="{36F7ED12-E58E-4982-BB56-83649C00E421}" type="datetimeFigureOut">
               <a:rPr lang="en-US" smtClean="0"/>
-              <a:t>1/15/2024</a:t>
+              <a:t>4/26/2024</a:t>
             </a:fld>
             <a:endParaRPr lang="en-US"/>
           </a:p>
@@ -2927,7 +2927,7 @@
           <a:p>
             <a:fld id="{36F7ED12-E58E-4982-BB56-83649C00E421}" type="datetimeFigureOut">
               <a:rPr lang="en-US" smtClean="0"/>
-              <a:t>1/15/2024</a:t>
+              <a:t>4/26/2024</a:t>
             </a:fld>
             <a:endParaRPr lang="en-US"/>
           </a:p>
@@ -3366,8 +3366,38 @@
         </p:blipFill>
         <p:spPr>
           <a:xfrm>
-            <a:off x="2588623" y="1844040"/>
+            <a:off x="3439014" y="3921470"/>
             <a:ext cx="5565986" cy="2259874"/>
+          </a:xfrm>
+          <a:prstGeom prst="rect">
+            <a:avLst/>
+          </a:prstGeom>
+        </p:spPr>
+      </p:pic>
+      <p:pic>
+        <p:nvPicPr>
+          <p:cNvPr id="4" name="Picture 3">
+            <a:extLst>
+              <a:ext uri="{FF2B5EF4-FFF2-40B4-BE49-F238E27FC236}">
+                <a16:creationId xmlns:a16="http://schemas.microsoft.com/office/drawing/2014/main" id="{88CF4B87-3B3D-A8DA-4C50-02EADEA3610D}"/>
+              </a:ext>
+            </a:extLst>
+          </p:cNvPr>
+          <p:cNvPicPr>
+            <a:picLocks noChangeAspect="1"/>
+          </p:cNvPicPr>
+          <p:nvPr/>
+        </p:nvPicPr>
+        <p:blipFill>
+          <a:blip r:embed="rId3"/>
+          <a:stretch>
+            <a:fillRect/>
+          </a:stretch>
+        </p:blipFill>
+        <p:spPr>
+          <a:xfrm>
+            <a:off x="3504437" y="676656"/>
+            <a:ext cx="6228433" cy="2259874"/>
           </a:xfrm>
           <a:prstGeom prst="rect">
             <a:avLst/>
@@ -37478,12 +37508,6 @@
 </file>
 
 <file path=customXml/item1.xml><?xml version="1.0" encoding="utf-8"?>
-<p:properties xmlns:p="http://schemas.microsoft.com/office/2006/metadata/properties" xmlns:xsi="http://www.w3.org/2001/XMLSchema-instance" xmlns:pc="http://schemas.microsoft.com/office/infopath/2007/PartnerControls">
-  <documentManagement/>
-</p:properties>
-</file>
-
-<file path=customXml/item2.xml><?xml version="1.0" encoding="utf-8"?>
 <ct:contentTypeSchema xmlns:ct="http://schemas.microsoft.com/office/2006/metadata/contentType" xmlns:ma="http://schemas.microsoft.com/office/2006/metadata/properties/metaAttributes" ct:_="" ma:_="" ma:contentTypeName="Document" ma:contentTypeID="0x0101007A4852DD4AA5E34D90C2218FCE333230" ma:contentTypeVersion="6" ma:contentTypeDescription="Create a new document." ma:contentTypeScope="" ma:versionID="5a7d7ef51b0e5228be06da36c637c226">
   <xsd:schema xmlns:xsd="http://www.w3.org/2001/XMLSchema" xmlns:xs="http://www.w3.org/2001/XMLSchema" xmlns:p="http://schemas.microsoft.com/office/2006/metadata/properties" xmlns:ns3="8693a572-e573-475c-b74e-6ecb2e69997f" xmlns:ns4="cafd64a2-7b9f-4437-be84-0fd71ae248df" targetNamespace="http://schemas.microsoft.com/office/2006/metadata/properties" ma:root="true" ma:fieldsID="d2fc14dae09fe057c73baf7d071350b8" ns3:_="" ns4:_="">
     <xsd:import namespace="8693a572-e573-475c-b74e-6ecb2e69997f"/>
@@ -37660,6 +37684,12 @@
 </ct:contentTypeSchema>
 </file>
 
+<file path=customXml/item2.xml><?xml version="1.0" encoding="utf-8"?>
+<p:properties xmlns:p="http://schemas.microsoft.com/office/2006/metadata/properties" xmlns:xsi="http://www.w3.org/2001/XMLSchema-instance" xmlns:pc="http://schemas.microsoft.com/office/infopath/2007/PartnerControls">
+  <documentManagement/>
+</p:properties>
+</file>
+
 <file path=customXml/item3.xml><?xml version="1.0" encoding="utf-8"?>
 <?mso-contentType ?>
 <FormTemplates xmlns="http://schemas.microsoft.com/sharepoint/v3/contenttype/forms">
@@ -37670,23 +37700,6 @@
 </file>
 
 <file path=customXml/itemProps1.xml><?xml version="1.0" encoding="utf-8"?>
-<ds:datastoreItem xmlns:ds="http://schemas.openxmlformats.org/officeDocument/2006/customXml" ds:itemID="{DBAC3898-7660-41FE-8E7F-C61B0D47ACB2}">
-  <ds:schemaRefs>
-    <ds:schemaRef ds:uri="http://purl.org/dc/dcmitype/"/>
-    <ds:schemaRef ds:uri="http://schemas.openxmlformats.org/package/2006/metadata/core-properties"/>
-    <ds:schemaRef ds:uri="http://schemas.microsoft.com/office/2006/documentManagement/types"/>
-    <ds:schemaRef ds:uri="http://purl.org/dc/terms/"/>
-    <ds:schemaRef ds:uri="8693a572-e573-475c-b74e-6ecb2e69997f"/>
-    <ds:schemaRef ds:uri="http://www.w3.org/XML/1998/namespace"/>
-    <ds:schemaRef ds:uri="cafd64a2-7b9f-4437-be84-0fd71ae248df"/>
-    <ds:schemaRef ds:uri="http://purl.org/dc/elements/1.1/"/>
-    <ds:schemaRef ds:uri="http://schemas.microsoft.com/office/infopath/2007/PartnerControls"/>
-    <ds:schemaRef ds:uri="http://schemas.microsoft.com/office/2006/metadata/properties"/>
-  </ds:schemaRefs>
-</ds:datastoreItem>
-</file>
-
-<file path=customXml/itemProps2.xml><?xml version="1.0" encoding="utf-8"?>
 <ds:datastoreItem xmlns:ds="http://schemas.openxmlformats.org/officeDocument/2006/customXml" ds:itemID="{348C84D0-D9EF-4CFB-ADDE-ECA7EC29EAEC}">
   <ds:schemaRefs>
     <ds:schemaRef ds:uri="http://schemas.microsoft.com/office/2006/metadata/contentType"/>
@@ -37705,6 +37718,23 @@
 </ds:datastoreItem>
 </file>
 
+<file path=customXml/itemProps2.xml><?xml version="1.0" encoding="utf-8"?>
+<ds:datastoreItem xmlns:ds="http://schemas.openxmlformats.org/officeDocument/2006/customXml" ds:itemID="{DBAC3898-7660-41FE-8E7F-C61B0D47ACB2}">
+  <ds:schemaRefs>
+    <ds:schemaRef ds:uri="http://purl.org/dc/dcmitype/"/>
+    <ds:schemaRef ds:uri="http://schemas.openxmlformats.org/package/2006/metadata/core-properties"/>
+    <ds:schemaRef ds:uri="http://schemas.microsoft.com/office/2006/documentManagement/types"/>
+    <ds:schemaRef ds:uri="http://purl.org/dc/terms/"/>
+    <ds:schemaRef ds:uri="8693a572-e573-475c-b74e-6ecb2e69997f"/>
+    <ds:schemaRef ds:uri="http://www.w3.org/XML/1998/namespace"/>
+    <ds:schemaRef ds:uri="cafd64a2-7b9f-4437-be84-0fd71ae248df"/>
+    <ds:schemaRef ds:uri="http://purl.org/dc/elements/1.1/"/>
+    <ds:schemaRef ds:uri="http://schemas.microsoft.com/office/infopath/2007/PartnerControls"/>
+    <ds:schemaRef ds:uri="http://schemas.microsoft.com/office/2006/metadata/properties"/>
+  </ds:schemaRefs>
+</ds:datastoreItem>
+</file>
+
 <file path=customXml/itemProps3.xml><?xml version="1.0" encoding="utf-8"?>
 <ds:datastoreItem xmlns:ds="http://schemas.openxmlformats.org/officeDocument/2006/customXml" ds:itemID="{0C1293D7-BC3F-4220-9903-A94FE005AFBB}">
   <ds:schemaRefs>
